--- a/昇格試験プレゼン(徐洋).pptx
+++ b/昇格試験プレゼン(徐洋).pptx
@@ -360,7 +360,7 @@
           <a:p>
             <a:fld id="{F7E0B255-51BB-4EC8-A76D-6187868360C8}" type="datetimeFigureOut">
               <a:rPr kumimoji="1" lang="ja-JP" altLang="en-US" smtClean="0"/>
-              <a:t>2020/2/14</a:t>
+              <a:t>2020/2/17</a:t>
             </a:fld>
             <a:endParaRPr kumimoji="1" lang="ja-JP" altLang="en-US"/>
           </a:p>
@@ -654,7 +654,7 @@
           <a:p>
             <a:fld id="{F7E0B255-51BB-4EC8-A76D-6187868360C8}" type="datetimeFigureOut">
               <a:rPr kumimoji="1" lang="ja-JP" altLang="en-US" smtClean="0"/>
-              <a:t>2020/2/14</a:t>
+              <a:t>2020/2/17</a:t>
             </a:fld>
             <a:endParaRPr kumimoji="1" lang="ja-JP" altLang="en-US"/>
           </a:p>
@@ -921,7 +921,7 @@
           <a:p>
             <a:fld id="{F7E0B255-51BB-4EC8-A76D-6187868360C8}" type="datetimeFigureOut">
               <a:rPr kumimoji="1" lang="ja-JP" altLang="en-US" smtClean="0"/>
-              <a:t>2020/2/14</a:t>
+              <a:t>2020/2/17</a:t>
             </a:fld>
             <a:endParaRPr kumimoji="1" lang="ja-JP" altLang="en-US"/>
           </a:p>
@@ -1193,7 +1193,7 @@
           <a:p>
             <a:fld id="{F7E0B255-51BB-4EC8-A76D-6187868360C8}" type="datetimeFigureOut">
               <a:rPr kumimoji="1" lang="ja-JP" altLang="en-US" smtClean="0"/>
-              <a:t>2020/2/14</a:t>
+              <a:t>2020/2/17</a:t>
             </a:fld>
             <a:endParaRPr kumimoji="1" lang="ja-JP" altLang="en-US"/>
           </a:p>
@@ -1500,7 +1500,7 @@
           <a:p>
             <a:fld id="{F7E0B255-51BB-4EC8-A76D-6187868360C8}" type="datetimeFigureOut">
               <a:rPr kumimoji="1" lang="ja-JP" altLang="en-US" smtClean="0"/>
-              <a:t>2020/2/14</a:t>
+              <a:t>2020/2/17</a:t>
             </a:fld>
             <a:endParaRPr kumimoji="1" lang="ja-JP" altLang="en-US"/>
           </a:p>
@@ -1866,7 +1866,7 @@
           <a:p>
             <a:fld id="{F7E0B255-51BB-4EC8-A76D-6187868360C8}" type="datetimeFigureOut">
               <a:rPr kumimoji="1" lang="ja-JP" altLang="en-US" smtClean="0"/>
-              <a:t>2020/2/14</a:t>
+              <a:t>2020/2/17</a:t>
             </a:fld>
             <a:endParaRPr kumimoji="1" lang="ja-JP" altLang="en-US"/>
           </a:p>
@@ -2352,7 +2352,7 @@
           <a:p>
             <a:fld id="{F7E0B255-51BB-4EC8-A76D-6187868360C8}" type="datetimeFigureOut">
               <a:rPr kumimoji="1" lang="ja-JP" altLang="en-US" smtClean="0"/>
-              <a:t>2020/2/14</a:t>
+              <a:t>2020/2/17</a:t>
             </a:fld>
             <a:endParaRPr kumimoji="1" lang="ja-JP" altLang="en-US"/>
           </a:p>
@@ -2514,7 +2514,7 @@
           <a:p>
             <a:fld id="{F7E0B255-51BB-4EC8-A76D-6187868360C8}" type="datetimeFigureOut">
               <a:rPr kumimoji="1" lang="ja-JP" altLang="en-US" smtClean="0"/>
-              <a:t>2020/2/14</a:t>
+              <a:t>2020/2/17</a:t>
             </a:fld>
             <a:endParaRPr kumimoji="1" lang="ja-JP" altLang="en-US"/>
           </a:p>
@@ -2609,7 +2609,7 @@
           <a:p>
             <a:fld id="{F7E0B255-51BB-4EC8-A76D-6187868360C8}" type="datetimeFigureOut">
               <a:rPr kumimoji="1" lang="ja-JP" altLang="en-US" smtClean="0"/>
-              <a:t>2020/2/14</a:t>
+              <a:t>2020/2/17</a:t>
             </a:fld>
             <a:endParaRPr kumimoji="1" lang="ja-JP" altLang="en-US"/>
           </a:p>
@@ -3019,7 +3019,7 @@
           <a:p>
             <a:fld id="{F7E0B255-51BB-4EC8-A76D-6187868360C8}" type="datetimeFigureOut">
               <a:rPr kumimoji="1" lang="ja-JP" altLang="en-US" smtClean="0"/>
-              <a:t>2020/2/14</a:t>
+              <a:t>2020/2/17</a:t>
             </a:fld>
             <a:endParaRPr kumimoji="1" lang="ja-JP" altLang="en-US"/>
           </a:p>
@@ -3308,7 +3308,7 @@
           <a:p>
             <a:fld id="{F7E0B255-51BB-4EC8-A76D-6187868360C8}" type="datetimeFigureOut">
               <a:rPr kumimoji="1" lang="ja-JP" altLang="en-US" smtClean="0"/>
-              <a:t>2020/2/14</a:t>
+              <a:t>2020/2/17</a:t>
             </a:fld>
             <a:endParaRPr kumimoji="1" lang="ja-JP" altLang="en-US"/>
           </a:p>
@@ -3551,7 +3551,7 @@
           <a:p>
             <a:fld id="{F7E0B255-51BB-4EC8-A76D-6187868360C8}" type="datetimeFigureOut">
               <a:rPr kumimoji="1" lang="ja-JP" altLang="en-US" smtClean="0"/>
-              <a:t>2020/2/14</a:t>
+              <a:t>2020/2/17</a:t>
             </a:fld>
             <a:endParaRPr kumimoji="1" lang="ja-JP" altLang="en-US"/>
           </a:p>
@@ -4318,15 +4318,7 @@
           <a:p>
             <a:r>
               <a:rPr kumimoji="1" lang="ja-JP" altLang="en-US" dirty="0" smtClean="0"/>
-              <a:t>プロジェクトのリーダー</a:t>
-            </a:r>
-            <a:r>
-              <a:rPr kumimoji="1" lang="ja-JP" altLang="en-US" dirty="0" smtClean="0"/>
-              <a:t>として</a:t>
-            </a:r>
-            <a:r>
-              <a:rPr kumimoji="1" lang="ja-JP" altLang="en-US" dirty="0" smtClean="0"/>
-              <a:t>、</a:t>
+              <a:t>プロジェクトのリーダーとして、</a:t>
             </a:r>
             <a:r>
               <a:rPr lang="ja-JP" altLang="en-US" dirty="0" smtClean="0"/>
@@ -4372,7 +4364,11 @@
             </a:r>
             <a:r>
               <a:rPr lang="ja-JP" altLang="en-US" dirty="0" smtClean="0"/>
-              <a:t>・技術の展開</a:t>
+              <a:t>・</a:t>
+            </a:r>
+            <a:r>
+              <a:rPr lang="ja-JP" altLang="en-US" dirty="0" smtClean="0"/>
+              <a:t>生産性向上と品質向上のため、技術を検討し、メンバに展開</a:t>
             </a:r>
             <a:endParaRPr lang="en-US" altLang="ja-JP" dirty="0" smtClean="0"/>
           </a:p>
@@ -4382,7 +4378,7 @@
             </a:pPr>
             <a:r>
               <a:rPr lang="ja-JP" altLang="en-US" dirty="0"/>
-              <a:t>　・</a:t>
+              <a:t>　</a:t>
             </a:r>
             <a:endParaRPr lang="en-US" altLang="ja-JP" dirty="0" smtClean="0"/>
           </a:p>
@@ -4458,7 +4454,19 @@
           <a:p>
             <a:r>
               <a:rPr lang="ja-JP" altLang="en-US" dirty="0" smtClean="0"/>
-              <a:t>本業以外に、請負社内開発も兼務した。</a:t>
+              <a:t>本業以外に、請負社内</a:t>
+            </a:r>
+            <a:r>
+              <a:rPr lang="ja-JP" altLang="en-US" dirty="0" smtClean="0"/>
+              <a:t>開発</a:t>
+            </a:r>
+            <a:r>
+              <a:rPr lang="ja-JP" altLang="en-US" dirty="0"/>
+              <a:t>の</a:t>
+            </a:r>
+            <a:r>
+              <a:rPr lang="ja-JP" altLang="en-US" dirty="0" smtClean="0"/>
+              <a:t>兼務。</a:t>
             </a:r>
             <a:endParaRPr lang="en-US" altLang="ja-JP" dirty="0" smtClean="0"/>
           </a:p>
@@ -4472,7 +4480,11 @@
             </a:r>
             <a:r>
               <a:rPr kumimoji="1" lang="ja-JP" altLang="en-US" dirty="0" smtClean="0"/>
-              <a:t>・顧客と仕様の確認</a:t>
+              <a:t>・顧客と仕様</a:t>
+            </a:r>
+            <a:r>
+              <a:rPr kumimoji="1" lang="ja-JP" altLang="en-US" dirty="0" smtClean="0"/>
+              <a:t>の調整</a:t>
             </a:r>
             <a:endParaRPr kumimoji="1" lang="en-US" altLang="ja-JP" dirty="0" smtClean="0"/>
           </a:p>
@@ -4576,11 +4588,7 @@
           <a:p>
             <a:r>
               <a:rPr lang="ja-JP" altLang="en-US" dirty="0" smtClean="0"/>
-              <a:t>マネジメント、</a:t>
-            </a:r>
-            <a:r>
-              <a:rPr lang="ja-JP" altLang="en-US" dirty="0" smtClean="0"/>
-              <a:t>請負経験を生かして、</a:t>
+              <a:t>マネジメント、請負経験を生かして、</a:t>
             </a:r>
             <a:r>
               <a:rPr lang="en-US" altLang="ja-JP" dirty="0" smtClean="0"/>
